--- a/presentation/ScheduleOpti.pptx
+++ b/presentation/ScheduleOpti.pptx
@@ -752,7 +752,7 @@
           <a:p>
             <a:fld id="{F643C023-9139-4D54-991A-71714F54654E}" type="datetimeFigureOut">
               <a:rPr lang="ru-RU" smtClean="0"/>
-              <a:t>29.09.2021</a:t>
+              <a:t>01.10.2021</a:t>
             </a:fld>
             <a:endParaRPr lang="ru-RU"/>
           </a:p>
@@ -1169,7 +1169,7 @@
           <a:p>
             <a:fld id="{74E31402-E993-4E26-B84F-9A63BD1E7615}" type="datetime1">
               <a:rPr lang="ru-RU" smtClean="0"/>
-              <a:t>29.09.2021</a:t>
+              <a:t>01.10.2021</a:t>
             </a:fld>
             <a:endParaRPr lang="ru-RU"/>
           </a:p>
@@ -1369,7 +1369,7 @@
           <a:p>
             <a:fld id="{E9CE409C-BE4F-4636-9B0B-E4DA647B8466}" type="datetime1">
               <a:rPr lang="ru-RU" smtClean="0"/>
-              <a:t>29.09.2021</a:t>
+              <a:t>01.10.2021</a:t>
             </a:fld>
             <a:endParaRPr lang="ru-RU"/>
           </a:p>
@@ -1579,7 +1579,7 @@
           <a:p>
             <a:fld id="{6A1CAE06-A762-4D61-BAF6-6E8F724A970C}" type="datetime1">
               <a:rPr lang="ru-RU" smtClean="0"/>
-              <a:t>29.09.2021</a:t>
+              <a:t>01.10.2021</a:t>
             </a:fld>
             <a:endParaRPr lang="ru-RU"/>
           </a:p>
@@ -1779,7 +1779,7 @@
           <a:p>
             <a:fld id="{5BE7EBF8-5E51-4461-8E60-F81E7F2CA4EA}" type="datetime1">
               <a:rPr lang="ru-RU" smtClean="0"/>
-              <a:t>29.09.2021</a:t>
+              <a:t>01.10.2021</a:t>
             </a:fld>
             <a:endParaRPr lang="ru-RU"/>
           </a:p>
@@ -2055,7 +2055,7 @@
           <a:p>
             <a:fld id="{1EB3704B-2F29-4445-813A-727F76449A3F}" type="datetime1">
               <a:rPr lang="ru-RU" smtClean="0"/>
-              <a:t>29.09.2021</a:t>
+              <a:t>01.10.2021</a:t>
             </a:fld>
             <a:endParaRPr lang="ru-RU"/>
           </a:p>
@@ -2323,7 +2323,7 @@
           <a:p>
             <a:fld id="{D59DE8E8-EA07-4808-826E-6D771731A60E}" type="datetime1">
               <a:rPr lang="ru-RU" smtClean="0"/>
-              <a:t>29.09.2021</a:t>
+              <a:t>01.10.2021</a:t>
             </a:fld>
             <a:endParaRPr lang="ru-RU"/>
           </a:p>
@@ -2738,7 +2738,7 @@
           <a:p>
             <a:fld id="{4B790C1F-7E9C-49CB-9E0F-BDE925292D70}" type="datetime1">
               <a:rPr lang="ru-RU" smtClean="0"/>
-              <a:t>29.09.2021</a:t>
+              <a:t>01.10.2021</a:t>
             </a:fld>
             <a:endParaRPr lang="ru-RU"/>
           </a:p>
@@ -2880,7 +2880,7 @@
           <a:p>
             <a:fld id="{FAB67D89-643B-4073-9CBA-2F9F03DDDD06}" type="datetime1">
               <a:rPr lang="ru-RU" smtClean="0"/>
-              <a:t>29.09.2021</a:t>
+              <a:t>01.10.2021</a:t>
             </a:fld>
             <a:endParaRPr lang="ru-RU"/>
           </a:p>
@@ -2993,7 +2993,7 @@
           <a:p>
             <a:fld id="{6E218A0D-F0D6-4C1C-B19C-A79496997C5F}" type="datetime1">
               <a:rPr lang="ru-RU" smtClean="0"/>
-              <a:t>29.09.2021</a:t>
+              <a:t>01.10.2021</a:t>
             </a:fld>
             <a:endParaRPr lang="ru-RU"/>
           </a:p>
@@ -3306,7 +3306,7 @@
           <a:p>
             <a:fld id="{4051BB7B-D347-42AD-868D-214665701905}" type="datetime1">
               <a:rPr lang="ru-RU" smtClean="0"/>
-              <a:t>29.09.2021</a:t>
+              <a:t>01.10.2021</a:t>
             </a:fld>
             <a:endParaRPr lang="ru-RU"/>
           </a:p>
@@ -3595,7 +3595,7 @@
           <a:p>
             <a:fld id="{777AA001-E276-4DB3-8995-EBB117BA774F}" type="datetime1">
               <a:rPr lang="ru-RU" smtClean="0"/>
-              <a:t>29.09.2021</a:t>
+              <a:t>01.10.2021</a:t>
             </a:fld>
             <a:endParaRPr lang="ru-RU"/>
           </a:p>
@@ -3838,7 +3838,7 @@
           <a:p>
             <a:fld id="{76320167-264F-42FA-97E8-9C9E9373DD7F}" type="datetime1">
               <a:rPr lang="ru-RU" smtClean="0"/>
-              <a:t>29.09.2021</a:t>
+              <a:t>01.10.2021</a:t>
             </a:fld>
             <a:endParaRPr lang="ru-RU"/>
           </a:p>
@@ -6278,7 +6278,7 @@
         </p:nvSpPr>
         <p:spPr>
           <a:xfrm>
-            <a:off x="921797" y="807869"/>
+            <a:off x="921797" y="816747"/>
             <a:ext cx="9596760" cy="1569660"/>
           </a:xfrm>
           <a:prstGeom prst="rect">
@@ -7717,8 +7717,8 @@
           </a:p>
         </p:txBody>
       </p:sp>
-      <mc:AlternateContent xmlns:mc="http://schemas.openxmlformats.org/markup-compatibility/2006">
-        <mc:Choice xmlns:a14="http://schemas.microsoft.com/office/drawing/2010/main" Requires="a14">
+      <mc:AlternateContent xmlns:mc="http://schemas.openxmlformats.org/markup-compatibility/2006" xmlns:a14="http://schemas.microsoft.com/office/drawing/2010/main">
+        <mc:Choice Requires="a14">
           <p:sp>
             <p:nvSpPr>
               <p:cNvPr id="3" name="Content Placeholder 2">
@@ -7900,13 +7900,7 @@
                       <a:rPr lang="en-US" i="1">
                         <a:latin typeface="Cambria Math" panose="02040503050406030204" pitchFamily="18" charset="0"/>
                       </a:rPr>
-                      <m:t>𝑁𝑠𝑙𝑜𝑡</m:t>
-                    </m:r>
-                    <m:r>
-                      <a:rPr lang="en-US" b="0" i="1" smtClean="0">
-                        <a:latin typeface="Cambria Math" panose="02040503050406030204" pitchFamily="18" charset="0"/>
-                      </a:rPr>
-                      <m:t>𝑠</m:t>
+                      <m:t>𝑁𝑠𝑙𝑜𝑡𝑠</m:t>
                     </m:r>
                   </m:oMath>
                 </a14:m>
@@ -8045,7 +8039,7 @@
             </p:txBody>
           </p:sp>
         </mc:Choice>
-        <mc:Fallback>
+        <mc:Fallback xmlns="">
           <p:sp>
             <p:nvSpPr>
               <p:cNvPr id="3" name="Content Placeholder 2">
@@ -8231,7 +8225,7 @@
                 </a:r>
                 <a:r>
                   <a:rPr lang="ru-RU" dirty="0"/>
-                  <a:t> набор интервалов на которых выполняются заказы, начало и   конец каждого  интервала это начало или конец как минимум одного заказа.</a:t>
+                  <a:t> набор интервалов на которых выполняются заказы, начало и конец каждого  интервала это начало или конец как минимум одного заказа.</a:t>
                 </a:r>
                 <a:r>
                   <a:rPr lang="en-US" dirty="0"/>
@@ -8790,8 +8784,8 @@
           </a:p>
         </p:txBody>
       </p:sp>
-      <mc:AlternateContent xmlns:mc="http://schemas.openxmlformats.org/markup-compatibility/2006">
-        <mc:Choice xmlns:a14="http://schemas.microsoft.com/office/drawing/2010/main" Requires="a14">
+      <mc:AlternateContent xmlns:mc="http://schemas.openxmlformats.org/markup-compatibility/2006" xmlns:a14="http://schemas.microsoft.com/office/drawing/2010/main">
+        <mc:Choice Requires="a14">
           <p:sp>
             <p:nvSpPr>
               <p:cNvPr id="3" name="Content Placeholder 2">
@@ -9061,7 +9055,7 @@
             </p:txBody>
           </p:sp>
         </mc:Choice>
-        <mc:Fallback>
+        <mc:Fallback xmlns="">
           <p:sp>
             <p:nvSpPr>
               <p:cNvPr id="3" name="Content Placeholder 2">
@@ -9227,8 +9221,8 @@
           </a:p>
         </p:txBody>
       </p:sp>
-      <mc:AlternateContent xmlns:mc="http://schemas.openxmlformats.org/markup-compatibility/2006">
-        <mc:Choice xmlns:a14="http://schemas.microsoft.com/office/drawing/2010/main" Requires="a14">
+      <mc:AlternateContent xmlns:mc="http://schemas.openxmlformats.org/markup-compatibility/2006" xmlns:a14="http://schemas.microsoft.com/office/drawing/2010/main">
+        <mc:Choice Requires="a14">
           <p:sp>
             <p:nvSpPr>
               <p:cNvPr id="3" name="Content Placeholder 2">
@@ -9340,7 +9334,7 @@
             </p:txBody>
           </p:sp>
         </mc:Choice>
-        <mc:Fallback>
+        <mc:Fallback xmlns="">
           <p:sp>
             <p:nvSpPr>
               <p:cNvPr id="3" name="Content Placeholder 2">
@@ -9472,8 +9466,8 @@
           </a:p>
         </p:txBody>
       </p:sp>
-      <mc:AlternateContent xmlns:mc="http://schemas.openxmlformats.org/markup-compatibility/2006">
-        <mc:Choice xmlns:a14="http://schemas.microsoft.com/office/drawing/2010/main" Requires="a14">
+      <mc:AlternateContent xmlns:mc="http://schemas.openxmlformats.org/markup-compatibility/2006" xmlns:a14="http://schemas.microsoft.com/office/drawing/2010/main">
+        <mc:Choice Requires="a14">
           <p:sp>
             <p:nvSpPr>
               <p:cNvPr id="3" name="Content Placeholder 2">
@@ -9539,7 +9533,13 @@
                             <a:rPr lang="en-US" b="0" i="1" smtClean="0">
                               <a:latin typeface="Cambria Math" panose="02040503050406030204" pitchFamily="18" charset="0"/>
                             </a:rPr>
-                            <m:t>𝑗𝑘</m:t>
+                            <m:t>𝑗</m:t>
+                          </m:r>
+                          <m:r>
+                            <a:rPr lang="en-US" b="0" i="1" smtClean="0">
+                              <a:latin typeface="Cambria Math" panose="02040503050406030204" pitchFamily="18" charset="0"/>
+                            </a:rPr>
+                            <m:t>𝑘</m:t>
                           </m:r>
                         </m:sub>
                         <m:sup/>
@@ -9911,7 +9911,7 @@
             </p:txBody>
           </p:sp>
         </mc:Choice>
-        <mc:Fallback>
+        <mc:Fallback xmlns="">
           <p:sp>
             <p:nvSpPr>
               <p:cNvPr id="3" name="Content Placeholder 2">
@@ -10047,8 +10047,8 @@
           </a:p>
         </p:txBody>
       </p:sp>
-      <mc:AlternateContent xmlns:mc="http://schemas.openxmlformats.org/markup-compatibility/2006">
-        <mc:Choice xmlns:a14="http://schemas.microsoft.com/office/drawing/2010/main" Requires="a14">
+      <mc:AlternateContent xmlns:mc="http://schemas.openxmlformats.org/markup-compatibility/2006" xmlns:a14="http://schemas.microsoft.com/office/drawing/2010/main">
+        <mc:Choice Requires="a14">
           <p:sp>
             <p:nvSpPr>
               <p:cNvPr id="3" name="Content Placeholder 2">
@@ -10817,7 +10817,7 @@
             </p:txBody>
           </p:sp>
         </mc:Choice>
-        <mc:Fallback>
+        <mc:Fallback xmlns="">
           <p:sp>
             <p:nvSpPr>
               <p:cNvPr id="3" name="Content Placeholder 2">
@@ -10953,8 +10953,8 @@
           </a:p>
         </p:txBody>
       </p:sp>
-      <mc:AlternateContent xmlns:mc="http://schemas.openxmlformats.org/markup-compatibility/2006">
-        <mc:Choice xmlns:a14="http://schemas.microsoft.com/office/drawing/2010/main" Requires="a14">
+      <mc:AlternateContent xmlns:mc="http://schemas.openxmlformats.org/markup-compatibility/2006" xmlns:a14="http://schemas.microsoft.com/office/drawing/2010/main">
+        <mc:Choice Requires="a14">
           <p:sp>
             <p:nvSpPr>
               <p:cNvPr id="3" name="Content Placeholder 2">
@@ -11556,7 +11556,7 @@
             </p:txBody>
           </p:sp>
         </mc:Choice>
-        <mc:Fallback>
+        <mc:Fallback xmlns="">
           <p:sp>
             <p:nvSpPr>
               <p:cNvPr id="3" name="Content Placeholder 2">
@@ -11692,8 +11692,8 @@
           </a:p>
         </p:txBody>
       </p:sp>
-      <mc:AlternateContent xmlns:mc="http://schemas.openxmlformats.org/markup-compatibility/2006">
-        <mc:Choice xmlns:a14="http://schemas.microsoft.com/office/drawing/2010/main" Requires="a14">
+      <mc:AlternateContent xmlns:mc="http://schemas.openxmlformats.org/markup-compatibility/2006" xmlns:a14="http://schemas.microsoft.com/office/drawing/2010/main">
+        <mc:Choice Requires="a14">
           <p:sp>
             <p:nvSpPr>
               <p:cNvPr id="3" name="Content Placeholder 2">
@@ -11931,7 +11931,7 @@
             </p:txBody>
           </p:sp>
         </mc:Choice>
-        <mc:Fallback>
+        <mc:Fallback xmlns="">
           <p:sp>
             <p:nvSpPr>
               <p:cNvPr id="3" name="Content Placeholder 2">
@@ -12097,7 +12097,19 @@
           <a:p>
             <a:r>
               <a:rPr lang="ru-RU" dirty="0"/>
-              <a:t>За 3 часа работы для 13 заказов и ХХХ временных интервалов найдено решение на 8% хуже, чем для лучшей стратегии моделирования. Дальше ждать не стал.</a:t>
+              <a:t>За 3 часа работы для 13 заказов и </a:t>
+            </a:r>
+            <a:r>
+              <a:rPr lang="en-US"/>
+              <a:t>8</a:t>
+            </a:r>
+            <a:r>
+              <a:rPr lang="ru-RU"/>
+              <a:t> </a:t>
+            </a:r>
+            <a:r>
+              <a:rPr lang="ru-RU" dirty="0"/>
+              <a:t>временных интервалов найдено решение на 8% хуже, чем для лучшей стратегии моделирования. Дальше ждать не стал.</a:t>
             </a:r>
           </a:p>
           <a:p>

--- a/presentation/ScheduleOpti.pptx
+++ b/presentation/ScheduleOpti.pptx
@@ -752,7 +752,7 @@
           <a:p>
             <a:fld id="{F643C023-9139-4D54-991A-71714F54654E}" type="datetimeFigureOut">
               <a:rPr lang="ru-RU" smtClean="0"/>
-              <a:t>01.10.2021</a:t>
+              <a:t>06.12.2021</a:t>
             </a:fld>
             <a:endParaRPr lang="ru-RU"/>
           </a:p>
@@ -1169,7 +1169,7 @@
           <a:p>
             <a:fld id="{74E31402-E993-4E26-B84F-9A63BD1E7615}" type="datetime1">
               <a:rPr lang="ru-RU" smtClean="0"/>
-              <a:t>01.10.2021</a:t>
+              <a:t>06.12.2021</a:t>
             </a:fld>
             <a:endParaRPr lang="ru-RU"/>
           </a:p>
@@ -1369,7 +1369,7 @@
           <a:p>
             <a:fld id="{E9CE409C-BE4F-4636-9B0B-E4DA647B8466}" type="datetime1">
               <a:rPr lang="ru-RU" smtClean="0"/>
-              <a:t>01.10.2021</a:t>
+              <a:t>06.12.2021</a:t>
             </a:fld>
             <a:endParaRPr lang="ru-RU"/>
           </a:p>
@@ -1579,7 +1579,7 @@
           <a:p>
             <a:fld id="{6A1CAE06-A762-4D61-BAF6-6E8F724A970C}" type="datetime1">
               <a:rPr lang="ru-RU" smtClean="0"/>
-              <a:t>01.10.2021</a:t>
+              <a:t>06.12.2021</a:t>
             </a:fld>
             <a:endParaRPr lang="ru-RU"/>
           </a:p>
@@ -1779,7 +1779,7 @@
           <a:p>
             <a:fld id="{5BE7EBF8-5E51-4461-8E60-F81E7F2CA4EA}" type="datetime1">
               <a:rPr lang="ru-RU" smtClean="0"/>
-              <a:t>01.10.2021</a:t>
+              <a:t>06.12.2021</a:t>
             </a:fld>
             <a:endParaRPr lang="ru-RU"/>
           </a:p>
@@ -2055,7 +2055,7 @@
           <a:p>
             <a:fld id="{1EB3704B-2F29-4445-813A-727F76449A3F}" type="datetime1">
               <a:rPr lang="ru-RU" smtClean="0"/>
-              <a:t>01.10.2021</a:t>
+              <a:t>06.12.2021</a:t>
             </a:fld>
             <a:endParaRPr lang="ru-RU"/>
           </a:p>
@@ -2323,7 +2323,7 @@
           <a:p>
             <a:fld id="{D59DE8E8-EA07-4808-826E-6D771731A60E}" type="datetime1">
               <a:rPr lang="ru-RU" smtClean="0"/>
-              <a:t>01.10.2021</a:t>
+              <a:t>06.12.2021</a:t>
             </a:fld>
             <a:endParaRPr lang="ru-RU"/>
           </a:p>
@@ -2738,7 +2738,7 @@
           <a:p>
             <a:fld id="{4B790C1F-7E9C-49CB-9E0F-BDE925292D70}" type="datetime1">
               <a:rPr lang="ru-RU" smtClean="0"/>
-              <a:t>01.10.2021</a:t>
+              <a:t>06.12.2021</a:t>
             </a:fld>
             <a:endParaRPr lang="ru-RU"/>
           </a:p>
@@ -2880,7 +2880,7 @@
           <a:p>
             <a:fld id="{FAB67D89-643B-4073-9CBA-2F9F03DDDD06}" type="datetime1">
               <a:rPr lang="ru-RU" smtClean="0"/>
-              <a:t>01.10.2021</a:t>
+              <a:t>06.12.2021</a:t>
             </a:fld>
             <a:endParaRPr lang="ru-RU"/>
           </a:p>
@@ -2993,7 +2993,7 @@
           <a:p>
             <a:fld id="{6E218A0D-F0D6-4C1C-B19C-A79496997C5F}" type="datetime1">
               <a:rPr lang="ru-RU" smtClean="0"/>
-              <a:t>01.10.2021</a:t>
+              <a:t>06.12.2021</a:t>
             </a:fld>
             <a:endParaRPr lang="ru-RU"/>
           </a:p>
@@ -3306,7 +3306,7 @@
           <a:p>
             <a:fld id="{4051BB7B-D347-42AD-868D-214665701905}" type="datetime1">
               <a:rPr lang="ru-RU" smtClean="0"/>
-              <a:t>01.10.2021</a:t>
+              <a:t>06.12.2021</a:t>
             </a:fld>
             <a:endParaRPr lang="ru-RU"/>
           </a:p>
@@ -3595,7 +3595,7 @@
           <a:p>
             <a:fld id="{777AA001-E276-4DB3-8995-EBB117BA774F}" type="datetime1">
               <a:rPr lang="ru-RU" smtClean="0"/>
-              <a:t>01.10.2021</a:t>
+              <a:t>06.12.2021</a:t>
             </a:fld>
             <a:endParaRPr lang="ru-RU"/>
           </a:p>
@@ -3838,7 +3838,7 @@
           <a:p>
             <a:fld id="{76320167-264F-42FA-97E8-9C9E9373DD7F}" type="datetime1">
               <a:rPr lang="ru-RU" smtClean="0"/>
-              <a:t>01.10.2021</a:t>
+              <a:t>06.12.2021</a:t>
             </a:fld>
             <a:endParaRPr lang="ru-RU"/>
           </a:p>
@@ -8142,8 +8142,8 @@
           <a:chExt cx="0" cy="0"/>
         </a:xfrm>
       </p:grpSpPr>
-      <mc:AlternateContent xmlns:mc="http://schemas.openxmlformats.org/markup-compatibility/2006">
-        <mc:Choice xmlns:a14="http://schemas.microsoft.com/office/drawing/2010/main" Requires="a14">
+      <mc:AlternateContent xmlns:mc="http://schemas.openxmlformats.org/markup-compatibility/2006" xmlns:a14="http://schemas.microsoft.com/office/drawing/2010/main">
+        <mc:Choice Requires="a14">
           <p:sp>
             <p:nvSpPr>
               <p:cNvPr id="3" name="Content Placeholder 2">
@@ -8647,7 +8647,7 @@
             </p:txBody>
           </p:sp>
         </mc:Choice>
-        <mc:Fallback>
+        <mc:Fallback xmlns="">
           <p:sp>
             <p:nvSpPr>
               <p:cNvPr id="3" name="Content Placeholder 2">
@@ -12100,16 +12100,12 @@
               <a:t>За 3 часа работы для 13 заказов и </a:t>
             </a:r>
             <a:r>
-              <a:rPr lang="en-US"/>
+              <a:rPr lang="en-US" dirty="0"/>
               <a:t>8</a:t>
             </a:r>
             <a:r>
-              <a:rPr lang="ru-RU"/>
-              <a:t> </a:t>
-            </a:r>
-            <a:r>
               <a:rPr lang="ru-RU" dirty="0"/>
-              <a:t>временных интервалов найдено решение на 8% хуже, чем для лучшей стратегии моделирования. Дальше ждать не стал.</a:t>
+              <a:t> временных интервалов найдено решение на 8% хуже, чем для лучшей стратегии моделирования. Дальше ждать не стал.</a:t>
             </a:r>
           </a:p>
           <a:p>
@@ -12561,16 +12557,16 @@
               <a:buNone/>
             </a:pPr>
             <a:r>
+              <a:rPr lang="ru-RU" dirty="0"/>
+              <a:t>На пресейлах </a:t>
+            </a:r>
+            <a:r>
               <a:rPr lang="ru-RU"/>
-              <a:t>На </a:t>
-            </a:r>
-            <a:r>
-              <a:rPr lang="ru-RU" dirty="0" err="1"/>
-              <a:t>пресейлах</a:t>
+              <a:t>всегда надо </a:t>
             </a:r>
             <a:r>
               <a:rPr lang="ru-RU" dirty="0"/>
-              <a:t> всегда на брать недели 3 на получение приемлемого результата, а не 3 дня.</a:t>
+              <a:t>брать недели 3 на получение приемлемого результата, а не 3 дня.</a:t>
             </a:r>
           </a:p>
         </p:txBody>
